--- a/Notes/Highway_env代码学习.pptx
+++ b/Notes/Highway_env代码学习.pptx
@@ -276,7 +276,7 @@
           <a:p>
             <a:fld id="{17045EF3-7B5E-4271-926B-403AF402102D}" type="datetimeFigureOut">
               <a:rPr lang="zh-CN" altLang="en-US" smtClean="0"/>
-              <a:t>2024/11/17</a:t>
+              <a:t>2025/2/19</a:t>
             </a:fld>
             <a:endParaRPr lang="zh-CN" altLang="en-US"/>
           </a:p>
@@ -474,7 +474,7 @@
           <a:p>
             <a:fld id="{17045EF3-7B5E-4271-926B-403AF402102D}" type="datetimeFigureOut">
               <a:rPr lang="zh-CN" altLang="en-US" smtClean="0"/>
-              <a:t>2024/11/17</a:t>
+              <a:t>2025/2/19</a:t>
             </a:fld>
             <a:endParaRPr lang="zh-CN" altLang="en-US"/>
           </a:p>
@@ -682,7 +682,7 @@
           <a:p>
             <a:fld id="{17045EF3-7B5E-4271-926B-403AF402102D}" type="datetimeFigureOut">
               <a:rPr lang="zh-CN" altLang="en-US" smtClean="0"/>
-              <a:t>2024/11/17</a:t>
+              <a:t>2025/2/19</a:t>
             </a:fld>
             <a:endParaRPr lang="zh-CN" altLang="en-US"/>
           </a:p>
@@ -880,7 +880,7 @@
           <a:p>
             <a:fld id="{17045EF3-7B5E-4271-926B-403AF402102D}" type="datetimeFigureOut">
               <a:rPr lang="zh-CN" altLang="en-US" smtClean="0"/>
-              <a:t>2024/11/17</a:t>
+              <a:t>2025/2/19</a:t>
             </a:fld>
             <a:endParaRPr lang="zh-CN" altLang="en-US"/>
           </a:p>
@@ -1155,7 +1155,7 @@
           <a:p>
             <a:fld id="{17045EF3-7B5E-4271-926B-403AF402102D}" type="datetimeFigureOut">
               <a:rPr lang="zh-CN" altLang="en-US" smtClean="0"/>
-              <a:t>2024/11/17</a:t>
+              <a:t>2025/2/19</a:t>
             </a:fld>
             <a:endParaRPr lang="zh-CN" altLang="en-US"/>
           </a:p>
@@ -1420,7 +1420,7 @@
           <a:p>
             <a:fld id="{17045EF3-7B5E-4271-926B-403AF402102D}" type="datetimeFigureOut">
               <a:rPr lang="zh-CN" altLang="en-US" smtClean="0"/>
-              <a:t>2024/11/17</a:t>
+              <a:t>2025/2/19</a:t>
             </a:fld>
             <a:endParaRPr lang="zh-CN" altLang="en-US"/>
           </a:p>
@@ -1832,7 +1832,7 @@
           <a:p>
             <a:fld id="{17045EF3-7B5E-4271-926B-403AF402102D}" type="datetimeFigureOut">
               <a:rPr lang="zh-CN" altLang="en-US" smtClean="0"/>
-              <a:t>2024/11/17</a:t>
+              <a:t>2025/2/19</a:t>
             </a:fld>
             <a:endParaRPr lang="zh-CN" altLang="en-US"/>
           </a:p>
@@ -1973,7 +1973,7 @@
           <a:p>
             <a:fld id="{17045EF3-7B5E-4271-926B-403AF402102D}" type="datetimeFigureOut">
               <a:rPr lang="zh-CN" altLang="en-US" smtClean="0"/>
-              <a:t>2024/11/17</a:t>
+              <a:t>2025/2/19</a:t>
             </a:fld>
             <a:endParaRPr lang="zh-CN" altLang="en-US"/>
           </a:p>
@@ -2086,7 +2086,7 @@
           <a:p>
             <a:fld id="{17045EF3-7B5E-4271-926B-403AF402102D}" type="datetimeFigureOut">
               <a:rPr lang="zh-CN" altLang="en-US" smtClean="0"/>
-              <a:t>2024/11/17</a:t>
+              <a:t>2025/2/19</a:t>
             </a:fld>
             <a:endParaRPr lang="zh-CN" altLang="en-US"/>
           </a:p>
@@ -2397,7 +2397,7 @@
           <a:p>
             <a:fld id="{17045EF3-7B5E-4271-926B-403AF402102D}" type="datetimeFigureOut">
               <a:rPr lang="zh-CN" altLang="en-US" smtClean="0"/>
-              <a:t>2024/11/17</a:t>
+              <a:t>2025/2/19</a:t>
             </a:fld>
             <a:endParaRPr lang="zh-CN" altLang="en-US"/>
           </a:p>
@@ -2685,7 +2685,7 @@
           <a:p>
             <a:fld id="{17045EF3-7B5E-4271-926B-403AF402102D}" type="datetimeFigureOut">
               <a:rPr lang="zh-CN" altLang="en-US" smtClean="0"/>
-              <a:t>2024/11/17</a:t>
+              <a:t>2025/2/19</a:t>
             </a:fld>
             <a:endParaRPr lang="zh-CN" altLang="en-US"/>
           </a:p>
@@ -2926,7 +2926,7 @@
           <a:p>
             <a:fld id="{17045EF3-7B5E-4271-926B-403AF402102D}" type="datetimeFigureOut">
               <a:rPr lang="zh-CN" altLang="en-US" smtClean="0"/>
-              <a:t>2024/11/17</a:t>
+              <a:t>2025/2/19</a:t>
             </a:fld>
             <a:endParaRPr lang="zh-CN" altLang="en-US"/>
           </a:p>
@@ -9905,6 +9905,307 @@
           </a:p>
         </p:txBody>
       </p:sp>
+      <p:sp>
+        <p:nvSpPr>
+          <p:cNvPr id="2" name="文本框 1">
+            <a:extLst>
+              <a:ext uri="{FF2B5EF4-FFF2-40B4-BE49-F238E27FC236}">
+                <a16:creationId xmlns:a16="http://schemas.microsoft.com/office/drawing/2014/main" id="{DA0A2ABF-B728-6993-FB65-F86EEC4D2E5F}"/>
+              </a:ext>
+            </a:extLst>
+          </p:cNvPr>
+          <p:cNvSpPr txBox="1"/>
+          <p:nvPr/>
+        </p:nvSpPr>
+        <p:spPr>
+          <a:xfrm>
+            <a:off x="3036616" y="786543"/>
+            <a:ext cx="2013504" cy="400110"/>
+          </a:xfrm>
+          <a:prstGeom prst="rect">
+            <a:avLst/>
+          </a:prstGeom>
+          <a:noFill/>
+        </p:spPr>
+        <p:txBody>
+          <a:bodyPr wrap="square" rtlCol="0">
+            <a:spAutoFit/>
+          </a:bodyPr>
+          <a:lstStyle/>
+          <a:p>
+            <a:pPr algn="ctr"/>
+            <a:r>
+              <a:rPr lang="en-US" altLang="zh-CN" sz="2000" dirty="0">
+                <a:latin typeface="Times New Roman" panose="02020603050405020304" pitchFamily="18" charset="0"/>
+                <a:cs typeface="Times New Roman" panose="02020603050405020304" pitchFamily="18" charset="0"/>
+              </a:rPr>
+              <a:t>Vehicle</a:t>
+            </a:r>
+            <a:endParaRPr lang="zh-CN" altLang="en-US" sz="2000" dirty="0">
+              <a:latin typeface="Times New Roman" panose="02020603050405020304" pitchFamily="18" charset="0"/>
+              <a:cs typeface="Times New Roman" panose="02020603050405020304" pitchFamily="18" charset="0"/>
+            </a:endParaRPr>
+          </a:p>
+        </p:txBody>
+      </p:sp>
+      <p:sp>
+        <p:nvSpPr>
+          <p:cNvPr id="3" name="文本框 2">
+            <a:extLst>
+              <a:ext uri="{FF2B5EF4-FFF2-40B4-BE49-F238E27FC236}">
+                <a16:creationId xmlns:a16="http://schemas.microsoft.com/office/drawing/2014/main" id="{E87730CD-DD7A-C27B-7F38-D618D4024FC1}"/>
+              </a:ext>
+            </a:extLst>
+          </p:cNvPr>
+          <p:cNvSpPr txBox="1"/>
+          <p:nvPr/>
+        </p:nvSpPr>
+        <p:spPr>
+          <a:xfrm>
+            <a:off x="2908458" y="2668731"/>
+            <a:ext cx="2219261" cy="400110"/>
+          </a:xfrm>
+          <a:prstGeom prst="rect">
+            <a:avLst/>
+          </a:prstGeom>
+          <a:noFill/>
+        </p:spPr>
+        <p:txBody>
+          <a:bodyPr wrap="square" rtlCol="0">
+            <a:spAutoFit/>
+          </a:bodyPr>
+          <a:lstStyle/>
+          <a:p>
+            <a:pPr algn="ctr"/>
+            <a:r>
+              <a:rPr lang="en-US" altLang="zh-CN" sz="2000" dirty="0">
+                <a:latin typeface="Times New Roman" panose="02020603050405020304" pitchFamily="18" charset="0"/>
+                <a:cs typeface="Times New Roman" panose="02020603050405020304" pitchFamily="18" charset="0"/>
+              </a:rPr>
+              <a:t>ControlledVehicle</a:t>
+            </a:r>
+          </a:p>
+        </p:txBody>
+      </p:sp>
+      <p:cxnSp>
+        <p:nvCxnSpPr>
+          <p:cNvPr id="5" name="直接箭头连接符 4">
+            <a:extLst>
+              <a:ext uri="{FF2B5EF4-FFF2-40B4-BE49-F238E27FC236}">
+                <a16:creationId xmlns:a16="http://schemas.microsoft.com/office/drawing/2014/main" id="{850D0323-6901-3C2C-4394-F7F8F5177D3A}"/>
+              </a:ext>
+            </a:extLst>
+          </p:cNvPr>
+          <p:cNvCxnSpPr>
+            <a:cxnSpLocks/>
+            <a:stCxn id="3" idx="0"/>
+          </p:cNvCxnSpPr>
+          <p:nvPr/>
+        </p:nvCxnSpPr>
+        <p:spPr>
+          <a:xfrm flipH="1" flipV="1">
+            <a:off x="4018088" y="1186653"/>
+            <a:ext cx="1" cy="1482078"/>
+          </a:xfrm>
+          <a:prstGeom prst="straightConnector1">
+            <a:avLst/>
+          </a:prstGeom>
+          <a:ln>
+            <a:tailEnd type="triangle"/>
+          </a:ln>
+        </p:spPr>
+        <p:style>
+          <a:lnRef idx="2">
+            <a:schemeClr val="dk1"/>
+          </a:lnRef>
+          <a:fillRef idx="0">
+            <a:schemeClr val="dk1"/>
+          </a:fillRef>
+          <a:effectRef idx="1">
+            <a:schemeClr val="dk1"/>
+          </a:effectRef>
+          <a:fontRef idx="minor">
+            <a:schemeClr val="tx1"/>
+          </a:fontRef>
+        </p:style>
+      </p:cxnSp>
+      <p:cxnSp>
+        <p:nvCxnSpPr>
+          <p:cNvPr id="6" name="直接箭头连接符 5">
+            <a:extLst>
+              <a:ext uri="{FF2B5EF4-FFF2-40B4-BE49-F238E27FC236}">
+                <a16:creationId xmlns:a16="http://schemas.microsoft.com/office/drawing/2014/main" id="{01A7A411-6F8F-8966-D061-CEC1EB420F08}"/>
+              </a:ext>
+            </a:extLst>
+          </p:cNvPr>
+          <p:cNvCxnSpPr>
+            <a:cxnSpLocks/>
+          </p:cNvCxnSpPr>
+          <p:nvPr/>
+        </p:nvCxnSpPr>
+        <p:spPr>
+          <a:xfrm flipH="1" flipV="1">
+            <a:off x="4018087" y="3068841"/>
+            <a:ext cx="1" cy="1482078"/>
+          </a:xfrm>
+          <a:prstGeom prst="straightConnector1">
+            <a:avLst/>
+          </a:prstGeom>
+          <a:ln>
+            <a:tailEnd type="triangle"/>
+          </a:ln>
+        </p:spPr>
+        <p:style>
+          <a:lnRef idx="2">
+            <a:schemeClr val="dk1"/>
+          </a:lnRef>
+          <a:fillRef idx="0">
+            <a:schemeClr val="dk1"/>
+          </a:fillRef>
+          <a:effectRef idx="1">
+            <a:schemeClr val="dk1"/>
+          </a:effectRef>
+          <a:fontRef idx="minor">
+            <a:schemeClr val="tx1"/>
+          </a:fontRef>
+        </p:style>
+      </p:cxnSp>
+      <p:sp>
+        <p:nvSpPr>
+          <p:cNvPr id="7" name="文本框 6">
+            <a:extLst>
+              <a:ext uri="{FF2B5EF4-FFF2-40B4-BE49-F238E27FC236}">
+                <a16:creationId xmlns:a16="http://schemas.microsoft.com/office/drawing/2014/main" id="{FE14B7A3-197B-3939-6067-3152C5878A40}"/>
+              </a:ext>
+            </a:extLst>
+          </p:cNvPr>
+          <p:cNvSpPr txBox="1"/>
+          <p:nvPr/>
+        </p:nvSpPr>
+        <p:spPr>
+          <a:xfrm>
+            <a:off x="3011335" y="4550919"/>
+            <a:ext cx="2013504" cy="400110"/>
+          </a:xfrm>
+          <a:prstGeom prst="rect">
+            <a:avLst/>
+          </a:prstGeom>
+          <a:noFill/>
+        </p:spPr>
+        <p:txBody>
+          <a:bodyPr wrap="square" rtlCol="0">
+            <a:spAutoFit/>
+          </a:bodyPr>
+          <a:lstStyle/>
+          <a:p>
+            <a:pPr algn="ctr"/>
+            <a:r>
+              <a:rPr lang="en-US" altLang="zh-CN" sz="2000" dirty="0">
+                <a:latin typeface="Times New Roman" panose="02020603050405020304" pitchFamily="18" charset="0"/>
+                <a:cs typeface="Times New Roman" panose="02020603050405020304" pitchFamily="18" charset="0"/>
+              </a:rPr>
+              <a:t>MDPVehicle</a:t>
+            </a:r>
+            <a:endParaRPr lang="zh-CN" altLang="en-US" sz="2000" dirty="0">
+              <a:latin typeface="Times New Roman" panose="02020603050405020304" pitchFamily="18" charset="0"/>
+              <a:cs typeface="Times New Roman" panose="02020603050405020304" pitchFamily="18" charset="0"/>
+            </a:endParaRPr>
+          </a:p>
+        </p:txBody>
+      </p:sp>
+      <p:sp>
+        <p:nvSpPr>
+          <p:cNvPr id="8" name="文本框 7">
+            <a:extLst>
+              <a:ext uri="{FF2B5EF4-FFF2-40B4-BE49-F238E27FC236}">
+                <a16:creationId xmlns:a16="http://schemas.microsoft.com/office/drawing/2014/main" id="{ABD01154-D853-B3F5-A077-A29CF8A570A0}"/>
+              </a:ext>
+            </a:extLst>
+          </p:cNvPr>
+          <p:cNvSpPr txBox="1"/>
+          <p:nvPr/>
+        </p:nvSpPr>
+        <p:spPr>
+          <a:xfrm>
+            <a:off x="6592734" y="2268621"/>
+            <a:ext cx="4684865" cy="1015663"/>
+          </a:xfrm>
+          <a:prstGeom prst="rect">
+            <a:avLst/>
+          </a:prstGeom>
+          <a:noFill/>
+        </p:spPr>
+        <p:txBody>
+          <a:bodyPr wrap="square" rtlCol="0">
+            <a:spAutoFit/>
+          </a:bodyPr>
+          <a:lstStyle/>
+          <a:p>
+            <a:r>
+              <a:rPr lang="en-US" altLang="zh-CN" sz="2000" dirty="0">
+                <a:latin typeface="Times New Roman" panose="02020603050405020304" pitchFamily="18" charset="0"/>
+                <a:ea typeface="宋体" panose="02010600030101010101" pitchFamily="2" charset="-122"/>
+                <a:cs typeface="Times New Roman" panose="02020603050405020304" pitchFamily="18" charset="0"/>
+              </a:rPr>
+              <a:t>PID</a:t>
+            </a:r>
+            <a:r>
+              <a:rPr lang="zh-CN" altLang="en-US" sz="2000" dirty="0">
+                <a:latin typeface="Times New Roman" panose="02020603050405020304" pitchFamily="18" charset="0"/>
+                <a:ea typeface="宋体" panose="02010600030101010101" pitchFamily="2" charset="-122"/>
+                <a:cs typeface="Times New Roman" panose="02020603050405020304" pitchFamily="18" charset="0"/>
+              </a:rPr>
+              <a:t>控制</a:t>
+            </a:r>
+            <a:endParaRPr lang="en-US" altLang="zh-CN" sz="2000" dirty="0">
+              <a:latin typeface="Times New Roman" panose="02020603050405020304" pitchFamily="18" charset="0"/>
+              <a:ea typeface="宋体" panose="02010600030101010101" pitchFamily="2" charset="-122"/>
+              <a:cs typeface="Times New Roman" panose="02020603050405020304" pitchFamily="18" charset="0"/>
+            </a:endParaRPr>
+          </a:p>
+          <a:p>
+            <a:r>
+              <a:rPr lang="en-US" altLang="zh-CN" sz="2000" dirty="0">
+                <a:latin typeface="Times New Roman" panose="02020603050405020304" pitchFamily="18" charset="0"/>
+                <a:ea typeface="宋体" panose="02010600030101010101" pitchFamily="2" charset="-122"/>
+                <a:cs typeface="Times New Roman" panose="02020603050405020304" pitchFamily="18" charset="0"/>
+              </a:rPr>
+              <a:t>act()	: </a:t>
+            </a:r>
+            <a:r>
+              <a:rPr lang="zh-CN" altLang="en-US" sz="2000" dirty="0">
+                <a:latin typeface="Times New Roman" panose="02020603050405020304" pitchFamily="18" charset="0"/>
+                <a:ea typeface="宋体" panose="02010600030101010101" pitchFamily="2" charset="-122"/>
+                <a:cs typeface="Times New Roman" panose="02020603050405020304" pitchFamily="18" charset="0"/>
+              </a:rPr>
+              <a:t>修改切向和镜像加速度</a:t>
+            </a:r>
+            <a:endParaRPr lang="en-US" altLang="zh-CN" sz="2000" dirty="0">
+              <a:latin typeface="Times New Roman" panose="02020603050405020304" pitchFamily="18" charset="0"/>
+              <a:ea typeface="宋体" panose="02010600030101010101" pitchFamily="2" charset="-122"/>
+              <a:cs typeface="Times New Roman" panose="02020603050405020304" pitchFamily="18" charset="0"/>
+            </a:endParaRPr>
+          </a:p>
+          <a:p>
+            <a:r>
+              <a:rPr lang="en-US" altLang="zh-CN" sz="2000" dirty="0">
+                <a:latin typeface="Times New Roman" panose="02020603050405020304" pitchFamily="18" charset="0"/>
+                <a:ea typeface="宋体" panose="02010600030101010101" pitchFamily="2" charset="-122"/>
+                <a:cs typeface="Times New Roman" panose="02020603050405020304" pitchFamily="18" charset="0"/>
+              </a:rPr>
+              <a:t>step()	: </a:t>
+            </a:r>
+            <a:r>
+              <a:rPr lang="zh-CN" altLang="en-US" sz="2000" dirty="0">
+                <a:latin typeface="Times New Roman" panose="02020603050405020304" pitchFamily="18" charset="0"/>
+                <a:ea typeface="宋体" panose="02010600030101010101" pitchFamily="2" charset="-122"/>
+                <a:cs typeface="Times New Roman" panose="02020603050405020304" pitchFamily="18" charset="0"/>
+              </a:rPr>
+              <a:t>实际改变受控车的位置和速度</a:t>
+            </a:r>
+          </a:p>
+        </p:txBody>
+      </p:sp>
     </p:spTree>
     <p:extLst>
       <p:ext uri="{BB962C8B-B14F-4D97-AF65-F5344CB8AC3E}">
